--- a/helpsessions/week13/PracticalProject.pptx
+++ b/helpsessions/week13/PracticalProject.pptx
@@ -223,7 +223,7 @@
           <a:p>
             <a:fld id="{4D7E51A5-B478-1E40-8CBB-0DAA8831E99D}" type="datetimeFigureOut">
               <a:rPr lang="en-US" smtClean="0"/>
-              <a:t>11/16/20</a:t>
+              <a:t>4/19/2021</a:t>
             </a:fld>
             <a:endParaRPr lang="en-US"/>
           </a:p>
@@ -388,7 +388,7 @@
           <a:p>
             <a:fld id="{D0ED587F-861E-6740-9643-E3DDAE89B8D6}" type="datetimeFigureOut">
               <a:rPr lang="en-US" smtClean="0"/>
-              <a:t>11/16/20</a:t>
+              <a:t>4/19/2021</a:t>
             </a:fld>
             <a:endParaRPr lang="en-US"/>
           </a:p>
@@ -6760,14 +6760,19 @@
             <p:ph type="title"/>
           </p:nvPr>
         </p:nvSpPr>
-        <p:spPr/>
+        <p:spPr>
+          <a:xfrm>
+            <a:off x="628075" y="448059"/>
+            <a:ext cx="12561453" cy="1015663"/>
+          </a:xfrm>
+        </p:spPr>
         <p:txBody>
           <a:bodyPr/>
           <a:lstStyle/>
           <a:p>
             <a:r>
               <a:rPr lang="en-US" dirty="0"/>
-              <a:t>Help Sessions After Break (in MS Teams)</a:t>
+              <a:t>Help Sessions (in MS Teams)</a:t>
             </a:r>
           </a:p>
         </p:txBody>
@@ -6791,7 +6796,7 @@
         <p:spPr>
           <a:xfrm>
             <a:off x="628075" y="1776683"/>
-            <a:ext cx="12561453" cy="4805611"/>
+            <a:ext cx="12561453" cy="4433265"/>
           </a:xfrm>
         </p:spPr>
         <p:txBody>
@@ -6807,14 +6812,7 @@
             <a:pPr lvl="1"/>
             <a:r>
               <a:rPr lang="en-US" dirty="0"/>
-              <a:t>Tuesday 10am - Restaurants</a:t>
-            </a:r>
-          </a:p>
-          <a:p>
-            <a:pPr lvl="1"/>
-            <a:r>
-              <a:rPr lang="en-US" dirty="0"/>
-              <a:t>Tuesday 1pm - </a:t>
+              <a:t>Tuesday 9am - </a:t>
             </a:r>
             <a:r>
               <a:rPr lang="en-US" dirty="0" err="1"/>
@@ -6829,40 +6827,43 @@
             <a:pPr lvl="1"/>
             <a:r>
               <a:rPr lang="en-US" dirty="0"/>
-              <a:t>Tuesday 2pm - Gender Analysis</a:t>
+              <a:t>Tuesday 10am - Gender Analysis</a:t>
             </a:r>
           </a:p>
           <a:p>
             <a:pPr lvl="1"/>
             <a:r>
               <a:rPr lang="en-US" dirty="0"/>
-              <a:t>Wednesday 4pm - QA session</a:t>
+              <a:t>Tuesday 11am – NY biodiversity</a:t>
             </a:r>
           </a:p>
           <a:p>
             <a:pPr lvl="1"/>
             <a:r>
               <a:rPr lang="en-US" dirty="0"/>
-              <a:t>Thursday 10am - Bees</a:t>
+              <a:t>Tuesday 12pm - Bees</a:t>
             </a:r>
           </a:p>
           <a:p>
             <a:pPr lvl="1"/>
             <a:r>
               <a:rPr lang="en-US" dirty="0"/>
-              <a:t>Thursday 1pm - Glaciers </a:t>
+              <a:t>Tuesday 4pm - Restaurants</a:t>
             </a:r>
           </a:p>
           <a:p>
             <a:pPr lvl="1"/>
             <a:r>
               <a:rPr lang="en-US" dirty="0"/>
-              <a:t>Thursday 2pm - NY critters</a:t>
+              <a:t>Thursday 9am - Glaciers </a:t>
             </a:r>
           </a:p>
           <a:p>
             <a:pPr lvl="1"/>
-            <a:endParaRPr lang="en-US" dirty="0"/>
+            <a:r>
+              <a:rPr lang="en-US" dirty="0"/>
+              <a:t>Thursday 11am - QA session</a:t>
+            </a:r>
           </a:p>
           <a:p>
             <a:pPr lvl="1"/>
